--- a/markdown/styles_reference.pptx
+++ b/markdown/styles_reference.pptx
@@ -3516,7 +3516,7 @@
           <a:spcPct val="0"/>
         </a:spcBef>
         <a:buNone/>
-        <a:defRPr sz="4400" b="1" kern="1200">
+        <a:defRPr sz="3600" b="1" kern="1200">
           <a:solidFill>
             <a:schemeClr val="accent1"/>
           </a:solidFill>
